--- a/aco-shioya-appendix-fpu.pptx
+++ b/aco-shioya-appendix-fpu.pptx
@@ -249,7 +249,7 @@
           <a:p>
             <a:fld id="{2ABE53D4-1A7B-4FFE-8A95-4265B045F058}" type="datetimeFigureOut">
               <a:rPr kumimoji="1" lang="ja-JP" altLang="en-US" smtClean="0"/>
-              <a:t>2024/6/8</a:t>
+              <a:t>2024/6/14</a:t>
             </a:fld>
             <a:endParaRPr kumimoji="1" lang="ja-JP" altLang="en-US"/>
           </a:p>
@@ -3252,8 +3252,8 @@
               <a:t>浮動小数点演算器の高速化 </a:t>
             </a:r>
             <a:r>
-              <a:rPr kumimoji="1" lang="en-US" altLang="ja-JP"/>
-              <a:t>v4</a:t>
+              <a:rPr kumimoji="1" lang="en-US" altLang="ja-JP" dirty="0"/>
+              <a:t>v5</a:t>
             </a:r>
             <a:endParaRPr kumimoji="1" lang="en-US" dirty="0"/>
           </a:p>
@@ -3647,6 +3647,14 @@
           <a:p>
             <a:r>
               <a:rPr kumimoji="1" lang="en-US" altLang="ja-JP" dirty="0"/>
+              <a:t>FMA </a:t>
+            </a:r>
+            <a:r>
+              <a:rPr kumimoji="1" lang="ja-JP" altLang="en-US" dirty="0"/>
+              <a:t>演算器のブロック図：</a:t>
+            </a:r>
+            <a:r>
+              <a:rPr kumimoji="1" lang="en-US" altLang="ja-JP" dirty="0"/>
               <a:t>LZC </a:t>
             </a:r>
             <a:r>
@@ -6177,7 +6185,14 @@
             </a:r>
             <a:r>
               <a:rPr kumimoji="1" lang="ja-JP" altLang="en-US" dirty="0"/>
-              <a:t>の真の結果に対し，上位の連続ゼロの個数が同じになるビット列を推定により作る</a:t>
+              <a:t>の真の結果に対し，上位の連続ゼロの個数が</a:t>
+            </a:r>
+            <a:br>
+              <a:rPr kumimoji="1" lang="en-US" altLang="ja-JP" dirty="0"/>
+            </a:br>
+            <a:r>
+              <a:rPr kumimoji="1" lang="ja-JP" altLang="en-US" dirty="0"/>
+              <a:t>同じになるビット列を推定により作る</a:t>
             </a:r>
             <a:endParaRPr kumimoji="1" lang="en-US" altLang="ja-JP" dirty="0"/>
           </a:p>
@@ -6231,7 +6246,19 @@
             </a:r>
             <a:r>
               <a:rPr kumimoji="1" lang="en-US" altLang="ja-JP" dirty="0"/>
-              <a:t>	0b0000_1000</a:t>
+              <a:t>	0b</a:t>
+            </a:r>
+            <a:r>
+              <a:rPr kumimoji="1" lang="en-US" altLang="ja-JP" dirty="0">
+                <a:solidFill>
+                  <a:schemeClr val="accent5"/>
+                </a:solidFill>
+              </a:rPr>
+              <a:t>0000</a:t>
+            </a:r>
+            <a:r>
+              <a:rPr kumimoji="1" lang="en-US" altLang="ja-JP" dirty="0"/>
+              <a:t>_1000</a:t>
             </a:r>
           </a:p>
           <a:p>
@@ -6246,7 +6273,19 @@
             </a:r>
             <a:r>
               <a:rPr kumimoji="1" lang="en-US" altLang="ja-JP" dirty="0"/>
-              <a:t>			0b0001_1011</a:t>
+              <a:t>			0b</a:t>
+            </a:r>
+            <a:r>
+              <a:rPr kumimoji="1" lang="en-US" altLang="ja-JP" dirty="0">
+                <a:solidFill>
+                  <a:schemeClr val="accent5"/>
+                </a:solidFill>
+              </a:rPr>
+              <a:t>000</a:t>
+            </a:r>
+            <a:r>
+              <a:rPr kumimoji="1" lang="en-US" altLang="ja-JP" dirty="0"/>
+              <a:t>1_1011</a:t>
             </a:r>
           </a:p>
           <a:p>
@@ -6383,6 +6422,20 @@
               </a:rPr>
               <a:t>が負になる場合に対応する必要がある</a:t>
             </a:r>
+            <a:endParaRPr lang="en-US" altLang="ja-JP" b="0" i="0" dirty="0">
+              <a:effectLst/>
+              <a:highlight>
+                <a:srgbClr val="FFFFFF"/>
+              </a:highlight>
+              <a:latin typeface="NotoSansJP"/>
+            </a:endParaRPr>
+          </a:p>
+          <a:p>
+            <a:pPr lvl="1"/>
+            <a:r>
+              <a:rPr kumimoji="1" lang="ja-JP" altLang="en-US" dirty="0"/>
+              <a:t>結果が負の場合，符号反転して絶対値がとられる</a:t>
+            </a:r>
             <a:endParaRPr kumimoji="1" lang="en-US" dirty="0"/>
           </a:p>
           <a:p>
@@ -6395,7 +6448,7 @@
             </a:br>
             <a:r>
               <a:rPr kumimoji="1" lang="ja-JP" altLang="en-US" dirty="0"/>
-              <a:t>（両者は式変形すると意味的に等価）</a:t>
+              <a:t>（両者は意味的に等価）</a:t>
             </a:r>
           </a:p>
           <a:p>
@@ -6771,7 +6824,14 @@
             </a:r>
             <a:r>
               <a:rPr kumimoji="1" lang="ja-JP" altLang="en-US" dirty="0"/>
-              <a:t>を行うと，真の符号の数に対して </a:t>
+              <a:t>を行うと，</a:t>
+            </a:r>
+            <a:br>
+              <a:rPr kumimoji="1" lang="en-US" altLang="ja-JP" dirty="0"/>
+            </a:br>
+            <a:r>
+              <a:rPr kumimoji="1" lang="ja-JP" altLang="en-US" dirty="0"/>
+              <a:t>絶対値を取った後のゼロの数に対して </a:t>
             </a:r>
             <a:r>
               <a:rPr kumimoji="1" lang="en-US" altLang="ja-JP" dirty="0"/>
@@ -8542,7 +8602,7 @@
             <a:pPr lvl="1"/>
             <a:r>
               <a:rPr lang="ja-JP" altLang="en-US" dirty="0"/>
-              <a:t>既存の </a:t>
+              <a:t>本稿では既存の </a:t>
             </a:r>
             <a:r>
               <a:rPr lang="en-US" altLang="ja-JP" dirty="0"/>
@@ -8558,7 +8618,14 @@
             </a:r>
             <a:r>
               <a:rPr lang="ja-JP" altLang="en-US" dirty="0"/>
-              <a:t>上の記述の互換性をたもちやすくするために，</a:t>
+              <a:t>上の記述の</a:t>
+            </a:r>
+            <a:br>
+              <a:rPr lang="en-US" altLang="ja-JP" dirty="0"/>
+            </a:br>
+            <a:r>
+              <a:rPr lang="ja-JP" altLang="en-US" dirty="0"/>
+              <a:t>互換性をたもちやすくするために，</a:t>
             </a:r>
             <a:r>
               <a:rPr lang="en-US" altLang="ja-JP" dirty="0"/>
@@ -8582,7 +8649,14 @@
             </a:r>
             <a:r>
               <a:rPr lang="ja-JP" altLang="en-US" dirty="0"/>
-              <a:t>の左端のビットを増減することで「</a:t>
+              <a:t>の左端のビットを増減することで</a:t>
+            </a:r>
+            <a:br>
+              <a:rPr lang="en-US" altLang="ja-JP" dirty="0"/>
+            </a:br>
+            <a:r>
+              <a:rPr lang="ja-JP" altLang="en-US" dirty="0"/>
+              <a:t>「</a:t>
             </a:r>
             <a:r>
               <a:rPr lang="en-US" altLang="ja-JP" sz="2000" dirty="0"/>
@@ -8594,7 +8668,7 @@
             </a:r>
             <a:r>
               <a:rPr lang="en-US" altLang="ja-JP" sz="2000" dirty="0"/>
-              <a:t>+0 or -1</a:t>
+              <a:t>-1 or +0</a:t>
             </a:r>
             <a:r>
               <a:rPr lang="ja-JP" altLang="en-US" dirty="0"/>
@@ -8798,12 +8872,16 @@
           <a:p>
             <a:pPr lvl="1"/>
             <a:r>
+              <a:rPr lang="ja-JP" altLang="en-US" dirty="0"/>
+              <a:t>マスクを使った </a:t>
+            </a:r>
+            <a:r>
               <a:rPr lang="en-US" altLang="ja-JP" dirty="0"/>
               <a:t>LZA </a:t>
             </a:r>
             <a:r>
               <a:rPr lang="ja-JP" altLang="en-US" dirty="0"/>
-              <a:t>の補正の高速化</a:t>
+              <a:t>補正の高速化</a:t>
             </a:r>
             <a:r>
               <a:rPr lang="en-US" altLang="ja-JP" dirty="0"/>
@@ -8900,12 +8978,16 @@
           <a:lstStyle/>
           <a:p>
             <a:r>
+              <a:rPr lang="ja-JP" altLang="en-US" b="1" dirty="0"/>
+              <a:t>マスクを使った </a:t>
+            </a:r>
+            <a:r>
               <a:rPr lang="en-US" altLang="ja-JP" b="1" dirty="0"/>
               <a:t>LZA </a:t>
             </a:r>
             <a:r>
               <a:rPr lang="ja-JP" altLang="en-US" b="1" dirty="0"/>
-              <a:t>の補正の高速化</a:t>
+              <a:t>補正の高速化</a:t>
             </a:r>
             <a:endParaRPr lang="en-US" b="1" dirty="0"/>
           </a:p>
@@ -9070,7 +9152,7 @@
             </a:r>
             <a:r>
               <a:rPr lang="ja-JP" altLang="en-US" sz="1800" dirty="0"/>
-              <a:t>これを正規化のシフト並列になるべく早く検出する </a:t>
+              <a:t>これを正規化のシフトと並列になるべく早く検出する </a:t>
             </a:r>
             <a:endParaRPr lang="en-US" altLang="ja-JP" sz="1800" dirty="0"/>
           </a:p>
@@ -14004,7 +14086,14 @@
             </a:r>
             <a:r>
               <a:rPr kumimoji="1" lang="ja-JP" altLang="en-US" dirty="0"/>
-              <a:t>」を実現するためには，符号を知るために一度桁上げ加算をしないといけない</a:t>
+              <a:t>」を実現するためには，</a:t>
+            </a:r>
+            <a:br>
+              <a:rPr kumimoji="1" lang="en-US" altLang="ja-JP" dirty="0"/>
+            </a:br>
+            <a:r>
+              <a:rPr kumimoji="1" lang="ja-JP" altLang="en-US" dirty="0"/>
+              <a:t>符号を知るために一度桁上げ加算をしないといけない</a:t>
             </a:r>
             <a:endParaRPr kumimoji="1" lang="en-US" altLang="ja-JP" dirty="0"/>
           </a:p>
@@ -14012,7 +14101,23 @@
             <a:pPr lvl="1"/>
             <a:r>
               <a:rPr kumimoji="1" lang="ja-JP" altLang="en-US" dirty="0"/>
-              <a:t>そのままではインクリメントのための桁上げ加算が直列に行われる</a:t>
+              <a:t>そのままでは </a:t>
+            </a:r>
+            <a:r>
+              <a:rPr kumimoji="1" lang="en-US" altLang="ja-JP" dirty="0"/>
+              <a:t>+1 </a:t>
+            </a:r>
+            <a:r>
+              <a:rPr kumimoji="1" lang="ja-JP" altLang="en-US" dirty="0"/>
+              <a:t>のための桁上げ加算がその後に直列に行われる</a:t>
+            </a:r>
+            <a:endParaRPr kumimoji="1" lang="en-US" altLang="ja-JP" dirty="0"/>
+          </a:p>
+          <a:p>
+            <a:pPr lvl="1"/>
+            <a:r>
+              <a:rPr kumimoji="1" lang="ja-JP" altLang="en-US" dirty="0"/>
+              <a:t>遅延が伸びるのでなんとかしたい</a:t>
             </a:r>
             <a:endParaRPr kumimoji="1" lang="en-US" altLang="ja-JP" dirty="0"/>
           </a:p>
@@ -14042,14 +14147,6 @@
               <a:rPr kumimoji="1" lang="ja-JP" altLang="en-US" dirty="0"/>
               <a:t>丸めによる加算との統合</a:t>
             </a:r>
-            <a:endParaRPr kumimoji="1" lang="en-US" altLang="ja-JP" dirty="0"/>
-          </a:p>
-          <a:p>
-            <a:pPr lvl="1"/>
-            <a:endParaRPr kumimoji="1" lang="en-US" altLang="ja-JP" dirty="0"/>
-          </a:p>
-          <a:p>
-            <a:pPr lvl="1"/>
             <a:endParaRPr kumimoji="1" lang="en-US" altLang="ja-JP" dirty="0"/>
           </a:p>
         </p:txBody>
@@ -17881,8 +17978,8 @@
           </a:p>
         </p:txBody>
       </p:sp>
-      <mc:AlternateContent xmlns:mc="http://schemas.openxmlformats.org/markup-compatibility/2006">
-        <mc:Choice xmlns:a14="http://schemas.microsoft.com/office/drawing/2010/main" Requires="a14">
+      <mc:AlternateContent xmlns:mc="http://schemas.openxmlformats.org/markup-compatibility/2006" xmlns:a14="http://schemas.microsoft.com/office/drawing/2010/main">
+        <mc:Choice Requires="a14">
           <p:sp>
             <p:nvSpPr>
               <p:cNvPr id="46" name="テキスト プレースホルダー 45">
@@ -18173,7 +18270,7 @@
             </p:txBody>
           </p:sp>
         </mc:Choice>
-        <mc:Fallback>
+        <mc:Fallback xmlns="">
           <p:sp>
             <p:nvSpPr>
               <p:cNvPr id="46" name="テキスト プレースホルダー 45">
@@ -20311,6 +20408,22 @@
               <a:rPr kumimoji="1" lang="ja-JP" altLang="en-US" dirty="0"/>
               <a:t>利点：自分で桁上げ加算器を作る必要がない</a:t>
             </a:r>
+            <a:endParaRPr kumimoji="1" lang="en-US" altLang="ja-JP" dirty="0"/>
+          </a:p>
+          <a:p>
+            <a:pPr lvl="1"/>
+            <a:r>
+              <a:rPr lang="ja-JP" altLang="en-US" dirty="0"/>
+              <a:t>欠点：</a:t>
+            </a:r>
+            <a:r>
+              <a:rPr lang="en-US" altLang="ja-JP" dirty="0"/>
+              <a:t>all-zero detector </a:t>
+            </a:r>
+            <a:r>
+              <a:rPr lang="ja-JP" altLang="en-US" dirty="0"/>
+              <a:t>が追加で必要（それほど大きくない）</a:t>
+            </a:r>
             <a:endParaRPr kumimoji="1" lang="en-US" dirty="0"/>
           </a:p>
         </p:txBody>
@@ -25322,6 +25435,15 @@
               <a:rPr kumimoji="1" lang="ja-JP" altLang="en-US" sz="1600" dirty="0"/>
               <a:t>回路規模はトランジスタ数を想定</a:t>
             </a:r>
+            <a:br>
+              <a:rPr kumimoji="1" lang="en-US" altLang="ja-JP" sz="1600" dirty="0"/>
+            </a:br>
+            <a:br>
+              <a:rPr kumimoji="1" lang="en-US" altLang="ja-JP" sz="1600" dirty="0"/>
+            </a:br>
+            <a:br>
+              <a:rPr kumimoji="1" lang="en-US" altLang="ja-JP" sz="1600" dirty="0"/>
+            </a:br>
             <a:endParaRPr lang="en-US" altLang="ja-JP" sz="1600" dirty="0">
               <a:solidFill>
                 <a:schemeClr val="accent5"/>
